--- a/FashionStore/FashionStore/FINAL.pptx
+++ b/FashionStore/FashionStore/FINAL.pptx
@@ -2187,22 +2187,22 @@
     </dgm:pt>
   </dgm:ptLst>
   <dgm:cxnLst>
+    <dgm:cxn modelId="{0F89270A-5F0D-4384-8D32-3B272255D603}" type="presOf" srcId="{3064C5C9-A8F9-4526-9623-C6020B1F76B1}" destId="{975516E0-AC21-48AC-A29D-6595CB449706}" srcOrd="0" destOrd="0" presId="urn:microsoft.com/office/officeart/2005/8/layout/orgChart1"/>
+    <dgm:cxn modelId="{B6E8F716-D0C3-434F-94C4-FCB8DD11A52C}" type="presOf" srcId="{215DF8F0-1759-4F1A-8B42-C357F06557E5}" destId="{6DD3F1A6-3BCA-4F98-ABF9-F584DCA9F041}" srcOrd="0" destOrd="0" presId="urn:microsoft.com/office/officeart/2005/8/layout/orgChart1"/>
+    <dgm:cxn modelId="{8ACDF761-F74B-4BD0-9AA5-19850FCEABBB}" type="presOf" srcId="{9F36B81B-C1A7-473A-8E0F-BBFAA544E778}" destId="{CEA79085-B6F4-42DC-BE62-5C549339B557}" srcOrd="0" destOrd="0" presId="urn:microsoft.com/office/officeart/2005/8/layout/orgChart1"/>
+    <dgm:cxn modelId="{583BBF6B-D203-41AE-93A8-C7D93D79B13D}" type="presOf" srcId="{9F36B81B-C1A7-473A-8E0F-BBFAA544E778}" destId="{48D9CB28-9821-4475-A4D9-0864E361DE55}" srcOrd="1" destOrd="0" presId="urn:microsoft.com/office/officeart/2005/8/layout/orgChart1"/>
+    <dgm:cxn modelId="{271AC06C-B87C-4124-A321-06543C32B838}" type="presOf" srcId="{4FEE0260-236F-4C42-B060-F41A291591C4}" destId="{2FBC2A3E-50DC-4BD9-8650-F8348611C441}" srcOrd="0" destOrd="0" presId="urn:microsoft.com/office/officeart/2005/8/layout/orgChart1"/>
+    <dgm:cxn modelId="{17AE8971-584E-4C3D-BF8D-8918F58F4943}" type="presOf" srcId="{998240EB-BE42-4F2E-9822-E3F83967F93F}" destId="{6852705D-83C1-4EEE-A383-C9A26403922A}" srcOrd="1" destOrd="0" presId="urn:microsoft.com/office/officeart/2005/8/layout/orgChart1"/>
+    <dgm:cxn modelId="{A99F0055-7F1E-4DFC-9426-640A9EB52672}" type="presOf" srcId="{4FEE0260-236F-4C42-B060-F41A291591C4}" destId="{52421B21-BC85-4D9F-8FB7-79B50EE53043}" srcOrd="1" destOrd="0" presId="urn:microsoft.com/office/officeart/2005/8/layout/orgChart1"/>
+    <dgm:cxn modelId="{CBDD5E75-B07B-4118-9114-7045B9AAF48A}" type="presOf" srcId="{998240EB-BE42-4F2E-9822-E3F83967F93F}" destId="{3C5DE7D4-2CAB-43C6-9322-98C9F4B4957F}" srcOrd="0" destOrd="0" presId="urn:microsoft.com/office/officeart/2005/8/layout/orgChart1"/>
+    <dgm:cxn modelId="{16008C8A-BE07-40B9-B0A8-A7D83EDBAAF4}" srcId="{4FEE0260-236F-4C42-B060-F41A291591C4}" destId="{3064C5C9-A8F9-4526-9623-C6020B1F76B1}" srcOrd="1" destOrd="0" parTransId="{EA5F40C5-F530-4E8F-B3E6-6F6187BEAAED}" sibTransId="{5945D9CA-B0E8-4930-8A0E-53F52195F8AC}"/>
+    <dgm:cxn modelId="{E397E89F-9347-4E0F-945C-89F083111E72}" type="presOf" srcId="{3064C5C9-A8F9-4526-9623-C6020B1F76B1}" destId="{CCD1E29B-E70C-4795-BD80-5C230BFD461A}" srcOrd="1" destOrd="0" presId="urn:microsoft.com/office/officeart/2005/8/layout/orgChart1"/>
+    <dgm:cxn modelId="{336864C1-BB29-4B55-B945-41A68B1A999D}" srcId="{E0C13487-7DAA-40B3-AB9E-F153DE6EA9C0}" destId="{4FEE0260-236F-4C42-B060-F41A291591C4}" srcOrd="0" destOrd="0" parTransId="{4AD564D3-154C-470A-A051-BC8F8CA95502}" sibTransId="{99C96B85-AEDA-4C66-ABCE-F8EC1E126A8B}"/>
+    <dgm:cxn modelId="{F8DB54D7-1E96-42A9-8BB8-01CE3A76C62B}" type="presOf" srcId="{9C33DC11-ED0C-4B66-A5C0-BECA1DF98FE1}" destId="{E1043A8C-B556-48DA-8BD3-7EE785639723}" srcOrd="0" destOrd="0" presId="urn:microsoft.com/office/officeart/2005/8/layout/orgChart1"/>
+    <dgm:cxn modelId="{53EC4DD8-94DA-4C29-B189-F35488C21A66}" type="presOf" srcId="{EA5F40C5-F530-4E8F-B3E6-6F6187BEAAED}" destId="{AA3A3D67-77E2-4B57-9F52-00F1EFF9406C}" srcOrd="0" destOrd="0" presId="urn:microsoft.com/office/officeart/2005/8/layout/orgChart1"/>
     <dgm:cxn modelId="{6DA42BDF-4618-4C7A-AA5B-33728B4D5FD2}" srcId="{4FEE0260-236F-4C42-B060-F41A291591C4}" destId="{998240EB-BE42-4F2E-9822-E3F83967F93F}" srcOrd="0" destOrd="0" parTransId="{215DF8F0-1759-4F1A-8B42-C357F06557E5}" sibTransId="{F273CA4D-982C-4381-BF96-41A3A719BD4B}"/>
-    <dgm:cxn modelId="{336864C1-BB29-4B55-B945-41A68B1A999D}" srcId="{E0C13487-7DAA-40B3-AB9E-F153DE6EA9C0}" destId="{4FEE0260-236F-4C42-B060-F41A291591C4}" srcOrd="0" destOrd="0" parTransId="{4AD564D3-154C-470A-A051-BC8F8CA95502}" sibTransId="{99C96B85-AEDA-4C66-ABCE-F8EC1E126A8B}"/>
+    <dgm:cxn modelId="{DA7C2BF2-496A-4003-970F-BBF45345496C}" srcId="{4FEE0260-236F-4C42-B060-F41A291591C4}" destId="{9F36B81B-C1A7-473A-8E0F-BBFAA544E778}" srcOrd="2" destOrd="0" parTransId="{9C33DC11-ED0C-4B66-A5C0-BECA1DF98FE1}" sibTransId="{6E400C57-C5C2-4441-A4DC-FF755586E4C0}"/>
     <dgm:cxn modelId="{5875CBFD-D88A-470D-9249-CEC4EEA065BA}" type="presOf" srcId="{E0C13487-7DAA-40B3-AB9E-F153DE6EA9C0}" destId="{DBBEB56B-B7E9-4A01-A312-08D216D5DB5B}" srcOrd="0" destOrd="0" presId="urn:microsoft.com/office/officeart/2005/8/layout/orgChart1"/>
-    <dgm:cxn modelId="{8ACDF761-F74B-4BD0-9AA5-19850FCEABBB}" type="presOf" srcId="{9F36B81B-C1A7-473A-8E0F-BBFAA544E778}" destId="{CEA79085-B6F4-42DC-BE62-5C549339B557}" srcOrd="0" destOrd="0" presId="urn:microsoft.com/office/officeart/2005/8/layout/orgChart1"/>
-    <dgm:cxn modelId="{B6E8F716-D0C3-434F-94C4-FCB8DD11A52C}" type="presOf" srcId="{215DF8F0-1759-4F1A-8B42-C357F06557E5}" destId="{6DD3F1A6-3BCA-4F98-ABF9-F584DCA9F041}" srcOrd="0" destOrd="0" presId="urn:microsoft.com/office/officeart/2005/8/layout/orgChart1"/>
-    <dgm:cxn modelId="{53EC4DD8-94DA-4C29-B189-F35488C21A66}" type="presOf" srcId="{EA5F40C5-F530-4E8F-B3E6-6F6187BEAAED}" destId="{AA3A3D67-77E2-4B57-9F52-00F1EFF9406C}" srcOrd="0" destOrd="0" presId="urn:microsoft.com/office/officeart/2005/8/layout/orgChart1"/>
-    <dgm:cxn modelId="{E397E89F-9347-4E0F-945C-89F083111E72}" type="presOf" srcId="{3064C5C9-A8F9-4526-9623-C6020B1F76B1}" destId="{CCD1E29B-E70C-4795-BD80-5C230BFD461A}" srcOrd="1" destOrd="0" presId="urn:microsoft.com/office/officeart/2005/8/layout/orgChart1"/>
-    <dgm:cxn modelId="{583BBF6B-D203-41AE-93A8-C7D93D79B13D}" type="presOf" srcId="{9F36B81B-C1A7-473A-8E0F-BBFAA544E778}" destId="{48D9CB28-9821-4475-A4D9-0864E361DE55}" srcOrd="1" destOrd="0" presId="urn:microsoft.com/office/officeart/2005/8/layout/orgChart1"/>
-    <dgm:cxn modelId="{17AE8971-584E-4C3D-BF8D-8918F58F4943}" type="presOf" srcId="{998240EB-BE42-4F2E-9822-E3F83967F93F}" destId="{6852705D-83C1-4EEE-A383-C9A26403922A}" srcOrd="1" destOrd="0" presId="urn:microsoft.com/office/officeart/2005/8/layout/orgChart1"/>
-    <dgm:cxn modelId="{16008C8A-BE07-40B9-B0A8-A7D83EDBAAF4}" srcId="{4FEE0260-236F-4C42-B060-F41A291591C4}" destId="{3064C5C9-A8F9-4526-9623-C6020B1F76B1}" srcOrd="1" destOrd="0" parTransId="{EA5F40C5-F530-4E8F-B3E6-6F6187BEAAED}" sibTransId="{5945D9CA-B0E8-4930-8A0E-53F52195F8AC}"/>
-    <dgm:cxn modelId="{CBDD5E75-B07B-4118-9114-7045B9AAF48A}" type="presOf" srcId="{998240EB-BE42-4F2E-9822-E3F83967F93F}" destId="{3C5DE7D4-2CAB-43C6-9322-98C9F4B4957F}" srcOrd="0" destOrd="0" presId="urn:microsoft.com/office/officeart/2005/8/layout/orgChart1"/>
-    <dgm:cxn modelId="{F8DB54D7-1E96-42A9-8BB8-01CE3A76C62B}" type="presOf" srcId="{9C33DC11-ED0C-4B66-A5C0-BECA1DF98FE1}" destId="{E1043A8C-B556-48DA-8BD3-7EE785639723}" srcOrd="0" destOrd="0" presId="urn:microsoft.com/office/officeart/2005/8/layout/orgChart1"/>
-    <dgm:cxn modelId="{271AC06C-B87C-4124-A321-06543C32B838}" type="presOf" srcId="{4FEE0260-236F-4C42-B060-F41A291591C4}" destId="{2FBC2A3E-50DC-4BD9-8650-F8348611C441}" srcOrd="0" destOrd="0" presId="urn:microsoft.com/office/officeart/2005/8/layout/orgChart1"/>
-    <dgm:cxn modelId="{DA7C2BF2-496A-4003-970F-BBF45345496C}" srcId="{4FEE0260-236F-4C42-B060-F41A291591C4}" destId="{9F36B81B-C1A7-473A-8E0F-BBFAA544E778}" srcOrd="2" destOrd="0" parTransId="{9C33DC11-ED0C-4B66-A5C0-BECA1DF98FE1}" sibTransId="{6E400C57-C5C2-4441-A4DC-FF755586E4C0}"/>
-    <dgm:cxn modelId="{0F89270A-5F0D-4384-8D32-3B272255D603}" type="presOf" srcId="{3064C5C9-A8F9-4526-9623-C6020B1F76B1}" destId="{975516E0-AC21-48AC-A29D-6595CB449706}" srcOrd="0" destOrd="0" presId="urn:microsoft.com/office/officeart/2005/8/layout/orgChart1"/>
-    <dgm:cxn modelId="{A99F0055-7F1E-4DFC-9426-640A9EB52672}" type="presOf" srcId="{4FEE0260-236F-4C42-B060-F41A291591C4}" destId="{52421B21-BC85-4D9F-8FB7-79B50EE53043}" srcOrd="1" destOrd="0" presId="urn:microsoft.com/office/officeart/2005/8/layout/orgChart1"/>
     <dgm:cxn modelId="{60F79384-43E8-44A7-85FD-F6F2A86F7A36}" type="presParOf" srcId="{DBBEB56B-B7E9-4A01-A312-08D216D5DB5B}" destId="{FF415341-52A6-4E81-86F3-62B8352947E6}" srcOrd="0" destOrd="0" presId="urn:microsoft.com/office/officeart/2005/8/layout/orgChart1"/>
     <dgm:cxn modelId="{9120ABD8-8C0E-45AA-90DF-42BFAADB6FC8}" type="presParOf" srcId="{FF415341-52A6-4E81-86F3-62B8352947E6}" destId="{1F9ED5EA-F5A5-46D6-8277-9BE4C787F178}" srcOrd="0" destOrd="0" presId="urn:microsoft.com/office/officeart/2005/8/layout/orgChart1"/>
     <dgm:cxn modelId="{8ADB64F0-B071-4AF0-98CD-FC0385C33AE9}" type="presParOf" srcId="{1F9ED5EA-F5A5-46D6-8277-9BE4C787F178}" destId="{2FBC2A3E-50DC-4BD9-8650-F8348611C441}" srcOrd="0" destOrd="0" presId="urn:microsoft.com/office/officeart/2005/8/layout/orgChart1"/>
@@ -2406,11 +2406,11 @@
     </dgm:pt>
   </dgm:ptLst>
   <dgm:cxnLst>
+    <dgm:cxn modelId="{2AF53521-8F7C-42B7-8F91-A57AC7A77676}" type="presOf" srcId="{6A501E74-8427-479D-B599-27E0144E72F5}" destId="{88E1E883-1E4D-4532-9EFB-6C633CFC54FC}" srcOrd="0" destOrd="0" presId="urn:microsoft.com/office/officeart/2005/8/layout/chevron1"/>
+    <dgm:cxn modelId="{640B0C76-B954-48A2-B523-E6D693C64E71}" type="presOf" srcId="{195665F5-0A5C-4905-ADFB-A138A9E69310}" destId="{CAD9E4FC-4017-4874-B811-9AB67CA7A6BF}" srcOrd="0" destOrd="0" presId="urn:microsoft.com/office/officeart/2005/8/layout/chevron1"/>
+    <dgm:cxn modelId="{A8DA107C-D2E0-413C-84B9-4C30EFD9ECF9}" srcId="{195665F5-0A5C-4905-ADFB-A138A9E69310}" destId="{6A501E74-8427-479D-B599-27E0144E72F5}" srcOrd="0" destOrd="0" parTransId="{EC611BDF-1E34-4F04-8EDE-2368B45B32A5}" sibTransId="{AAC44B3C-30B5-4E6C-8C55-D26483CF6A50}"/>
     <dgm:cxn modelId="{E39B5B84-CA46-4DB4-BDAB-2E7EE1294596}" type="presOf" srcId="{58E295D8-CC95-41FB-AE1C-2ED3E9C471A2}" destId="{FA364696-05BE-4891-A5E6-BB44F0B4FC26}" srcOrd="0" destOrd="0" presId="urn:microsoft.com/office/officeart/2005/8/layout/chevron1"/>
-    <dgm:cxn modelId="{2AF53521-8F7C-42B7-8F91-A57AC7A77676}" type="presOf" srcId="{6A501E74-8427-479D-B599-27E0144E72F5}" destId="{88E1E883-1E4D-4532-9EFB-6C633CFC54FC}" srcOrd="0" destOrd="0" presId="urn:microsoft.com/office/officeart/2005/8/layout/chevron1"/>
-    <dgm:cxn modelId="{A8DA107C-D2E0-413C-84B9-4C30EFD9ECF9}" srcId="{195665F5-0A5C-4905-ADFB-A138A9E69310}" destId="{6A501E74-8427-479D-B599-27E0144E72F5}" srcOrd="0" destOrd="0" parTransId="{EC611BDF-1E34-4F04-8EDE-2368B45B32A5}" sibTransId="{AAC44B3C-30B5-4E6C-8C55-D26483CF6A50}"/>
     <dgm:cxn modelId="{3FEBB1C9-C657-4BDE-B328-12B0946F4609}" type="presOf" srcId="{65EE30AD-065F-4808-9900-342544641F95}" destId="{21198D39-7216-4C42-B2A8-D12BF59AE24B}" srcOrd="0" destOrd="0" presId="urn:microsoft.com/office/officeart/2005/8/layout/chevron1"/>
-    <dgm:cxn modelId="{640B0C76-B954-48A2-B523-E6D693C64E71}" type="presOf" srcId="{195665F5-0A5C-4905-ADFB-A138A9E69310}" destId="{CAD9E4FC-4017-4874-B811-9AB67CA7A6BF}" srcOrd="0" destOrd="0" presId="urn:microsoft.com/office/officeart/2005/8/layout/chevron1"/>
     <dgm:cxn modelId="{3D5AFEE1-9DED-4753-8AE1-84E4D290E8CE}" srcId="{195665F5-0A5C-4905-ADFB-A138A9E69310}" destId="{65EE30AD-065F-4808-9900-342544641F95}" srcOrd="1" destOrd="0" parTransId="{969EB7D1-CC0F-4EC1-882B-D14B46A29FFB}" sibTransId="{ED468A9C-5D69-4691-95C8-750B6ED70E74}"/>
     <dgm:cxn modelId="{710133E3-0A2A-47A6-9878-7B9A3C961852}" srcId="{195665F5-0A5C-4905-ADFB-A138A9E69310}" destId="{58E295D8-CC95-41FB-AE1C-2ED3E9C471A2}" srcOrd="2" destOrd="0" parTransId="{11857F45-EE62-47D8-8C4E-75677C2A534A}" sibTransId="{668285D0-7F3B-46EB-8259-5D3FCD712803}"/>
     <dgm:cxn modelId="{0BBF0001-68D3-4F98-8D87-553966BA6B78}" type="presParOf" srcId="{CAD9E4FC-4017-4874-B811-9AB67CA7A6BF}" destId="{88E1E883-1E4D-4532-9EFB-6C633CFC54FC}" srcOrd="0" destOrd="0" presId="urn:microsoft.com/office/officeart/2005/8/layout/chevron1"/>
@@ -6834,7 +6834,7 @@
             <a:fld id="{D36CF0C6-0466-4ADB-85AE-983045F2A7A5}" type="datetimeFigureOut">
               <a:rPr lang="en-US"/>
               <a:pPr/>
-              <a:t>12/12/2016</a:t>
+              <a:t>6/11/2020</a:t>
             </a:fld>
             <a:endParaRPr lang="en-GB"/>
           </a:p>
@@ -8775,7 +8775,7 @@
             <a:fld id="{A7A9FE9F-E5EC-4D0E-9C7C-A571B8CD58E1}" type="datetimeFigureOut">
               <a:rPr lang="en-US" smtClean="0"/>
               <a:pPr/>
-              <a:t>12/12/2016</a:t>
+              <a:t>6/11/2020</a:t>
             </a:fld>
             <a:endParaRPr lang="en-GB"/>
           </a:p>
@@ -9168,7 +9168,7 @@
             <a:fld id="{3CC776A0-15FA-449C-9FC0-2E4017C3653C}" type="datetimeFigureOut">
               <a:rPr lang="en-US" smtClean="0"/>
               <a:pPr/>
-              <a:t>12/12/2016</a:t>
+              <a:t>6/11/2020</a:t>
             </a:fld>
             <a:endParaRPr lang="en-GB"/>
           </a:p>
@@ -9703,7 +9703,7 @@
             <a:fld id="{63783CB6-92AD-4988-BDD1-9285F1AC5B8B}" type="datetimeFigureOut">
               <a:rPr lang="en-US" smtClean="0"/>
               <a:pPr/>
-              <a:t>12/12/2016</a:t>
+              <a:t>6/11/2020</a:t>
             </a:fld>
             <a:endParaRPr lang="en-GB"/>
           </a:p>
@@ -9835,7 +9835,7 @@
             <a:fld id="{00D44BC3-6C21-4242-90E7-C70066D89085}" type="datetimeFigureOut">
               <a:rPr lang="en-US" smtClean="0"/>
               <a:pPr/>
-              <a:t>12/12/2016</a:t>
+              <a:t>6/11/2020</a:t>
             </a:fld>
             <a:endParaRPr lang="en-GB"/>
           </a:p>
@@ -10380,7 +10380,7 @@
             <a:fld id="{9CA15996-6109-4B15-91EA-7F2214BCE6CE}" type="datetimeFigureOut">
               <a:rPr lang="en-US" smtClean="0"/>
               <a:pPr/>
-              <a:t>12/12/2016</a:t>
+              <a:t>6/11/2020</a:t>
             </a:fld>
             <a:endParaRPr lang="en-GB"/>
           </a:p>
@@ -10675,7 +10675,7 @@
             <a:fld id="{43D503C7-296E-4931-AF03-8F6081A55980}" type="datetimeFigureOut">
               <a:rPr lang="en-US" smtClean="0"/>
               <a:pPr/>
-              <a:t>12/12/2016</a:t>
+              <a:t>6/11/2020</a:t>
             </a:fld>
             <a:endParaRPr lang="en-GB"/>
           </a:p>
@@ -11336,7 +11336,7 @@
             <a:fld id="{7D21C208-1BA2-411B-B3F5-C068C35B6FF1}" type="datetimeFigureOut">
               <a:rPr lang="en-US" smtClean="0"/>
               <a:pPr/>
-              <a:t>12/12/2016</a:t>
+              <a:t>6/11/2020</a:t>
             </a:fld>
             <a:endParaRPr lang="en-GB"/>
           </a:p>
@@ -11772,7 +11772,7 @@
             <a:fld id="{A0BBD098-174B-40CC-81C5-99E5CCAD813C}" type="datetimeFigureOut">
               <a:rPr lang="en-US" smtClean="0"/>
               <a:pPr/>
-              <a:t>12/12/2016</a:t>
+              <a:t>6/11/2020</a:t>
             </a:fld>
             <a:endParaRPr lang="en-GB"/>
           </a:p>
@@ -12087,7 +12087,7 @@
             <a:fld id="{AB756306-DB93-4888-A90A-6472F9498D5B}" type="datetimeFigureOut">
               <a:rPr lang="en-US" smtClean="0"/>
               <a:pPr/>
-              <a:t>12/12/2016</a:t>
+              <a:t>6/11/2020</a:t>
             </a:fld>
             <a:endParaRPr lang="en-GB"/>
           </a:p>
@@ -12821,7 +12821,7 @@
             <a:fld id="{AFDC3FAB-3191-4503-B26F-02441974C358}" type="datetimeFigureOut">
               <a:rPr lang="en-US" smtClean="0"/>
               <a:pPr/>
-              <a:t>12/12/2016</a:t>
+              <a:t>6/11/2020</a:t>
             </a:fld>
             <a:endParaRPr lang="en-GB"/>
           </a:p>
@@ -13486,7 +13486,7 @@
             <a:fld id="{B420FEA8-AE25-4AF0-AB9C-E8238CE6C6C3}" type="datetimeFigureOut">
               <a:rPr lang="en-US" smtClean="0"/>
               <a:pPr/>
-              <a:t>12/12/2016</a:t>
+              <a:t>6/11/2020</a:t>
             </a:fld>
             <a:endParaRPr lang="en-GB"/>
           </a:p>
@@ -13760,7 +13760,7 @@
             <a:fld id="{D72ED166-27BB-4129-80B3-64F1A5E95C66}" type="datetimeFigureOut">
               <a:rPr lang="en-US" smtClean="0"/>
               <a:pPr/>
-              <a:t>12/12/2016</a:t>
+              <a:t>6/11/2020</a:t>
             </a:fld>
             <a:endParaRPr lang="en-GB"/>
           </a:p>
@@ -14462,10 +14462,7 @@
               <a:buNone/>
               <a:defRPr/>
             </a:pPr>
-            <a:r>
-              <a:rPr lang="en-GB" sz="2000" dirty="0"/>
-              <a:t>The Brazzers</a:t>
-            </a:r>
+            <a:endParaRPr lang="en-GB" sz="2000" dirty="0"/>
           </a:p>
           <a:p>
             <a:pPr algn="l" eaLnBrk="1" fontAlgn="auto" hangingPunct="1">
@@ -14478,7 +14475,7 @@
             </a:pPr>
             <a:r>
               <a:rPr lang="en-GB" sz="2000" dirty="0"/>
-              <a:t>DECEMBER 2016</a:t>
+              <a:t>June 18th</a:t>
             </a:r>
           </a:p>
           <a:p>
@@ -14519,9 +14516,10 @@
           <a:p>
             <a:pPr algn="ctr" eaLnBrk="1" hangingPunct="1"/>
             <a:r>
-              <a:rPr lang="en-GB" dirty="0"/>
-              <a:t>The WORLD</a:t>
-            </a:r>
+              <a:rPr lang="en-GB"/>
+              <a:t>FASHIONISTA</a:t>
+            </a:r>
+            <a:endParaRPr lang="en-GB" dirty="0"/>
           </a:p>
         </p:txBody>
       </p:sp>
@@ -14559,17 +14557,14 @@
               <a:buNone/>
               <a:defRPr/>
             </a:pPr>
-            <a:r>
-              <a:rPr lang="en-GB" sz="2000" dirty="0">
-                <a:solidFill>
-                  <a:schemeClr val="tx1">
-                    <a:tint val="75000"/>
-                  </a:schemeClr>
-                </a:solidFill>
-                <a:latin typeface="+mn-lt"/>
-              </a:rPr>
-              <a:t>Author:</a:t>
-            </a:r>
+            <a:endParaRPr lang="en-GB" sz="2000" dirty="0">
+              <a:solidFill>
+                <a:schemeClr val="tx1">
+                  <a:tint val="75000"/>
+                </a:schemeClr>
+              </a:solidFill>
+              <a:latin typeface="+mn-lt"/>
+            </a:endParaRPr>
           </a:p>
           <a:p>
             <a:pPr fontAlgn="auto">
@@ -14655,23 +14650,53 @@
               <a:rPr lang="en-US" dirty="0">
                 <a:latin typeface="+mj-lt"/>
               </a:rPr>
-              <a:t>Trinh Hung Minh</a:t>
-            </a:r>
-          </a:p>
-          <a:p>
+              <a:t>Mạch </a:t>
+            </a:r>
+            <a:r>
+              <a:rPr lang="en-US" dirty="0" err="1">
+                <a:latin typeface="+mj-lt"/>
+              </a:rPr>
+              <a:t>Chí</a:t>
+            </a:r>
             <a:r>
               <a:rPr lang="en-US" dirty="0">
                 <a:latin typeface="+mj-lt"/>
               </a:rPr>
-              <a:t>Le Vu Minh Khang</a:t>
-            </a:r>
+              <a:t> </a:t>
+            </a:r>
+            <a:r>
+              <a:rPr lang="en-US" dirty="0" err="1">
+                <a:latin typeface="+mj-lt"/>
+              </a:rPr>
+              <a:t>Tài</a:t>
+            </a:r>
+            <a:endParaRPr lang="en-US" dirty="0">
+              <a:latin typeface="+mj-lt"/>
+            </a:endParaRPr>
           </a:p>
           <a:p>
             <a:r>
               <a:rPr lang="en-US" dirty="0">
                 <a:latin typeface="+mj-lt"/>
               </a:rPr>
-              <a:t>Tran Tien Huy</a:t>
+              <a:t>Thanh </a:t>
+            </a:r>
+            <a:r>
+              <a:rPr lang="en-US" dirty="0" err="1">
+                <a:latin typeface="+mj-lt"/>
+              </a:rPr>
+              <a:t>Tài</a:t>
+            </a:r>
+            <a:endParaRPr lang="en-US" dirty="0">
+              <a:latin typeface="+mj-lt"/>
+            </a:endParaRPr>
+          </a:p>
+          <a:p>
+            <a:r>
+              <a:rPr lang="en-US" dirty="0">
+                <a:latin typeface="+mj-lt"/>
+              </a:rPr>
+              <a:t>Lee Young Hyun</a:t>
             </a:r>
           </a:p>
         </p:txBody>
@@ -17352,7 +17377,7 @@
           <a:p>
             <a:r>
               <a:rPr lang="en-US" dirty="0"/>
-              <a:t>The World is a company in HCMC excel in selling clothes to our customer.</a:t>
+              <a:t>FASHIONISTA is a company in HCMC excel in selling clothes to our customer.</a:t>
             </a:r>
           </a:p>
           <a:p>

--- a/FashionStore/FashionStore/FINAL.pptx
+++ b/FashionStore/FashionStore/FINAL.pptx
@@ -2187,22 +2187,22 @@
     </dgm:pt>
   </dgm:ptLst>
   <dgm:cxnLst>
+    <dgm:cxn modelId="{6DA42BDF-4618-4C7A-AA5B-33728B4D5FD2}" srcId="{4FEE0260-236F-4C42-B060-F41A291591C4}" destId="{998240EB-BE42-4F2E-9822-E3F83967F93F}" srcOrd="0" destOrd="0" parTransId="{215DF8F0-1759-4F1A-8B42-C357F06557E5}" sibTransId="{F273CA4D-982C-4381-BF96-41A3A719BD4B}"/>
+    <dgm:cxn modelId="{336864C1-BB29-4B55-B945-41A68B1A999D}" srcId="{E0C13487-7DAA-40B3-AB9E-F153DE6EA9C0}" destId="{4FEE0260-236F-4C42-B060-F41A291591C4}" srcOrd="0" destOrd="0" parTransId="{4AD564D3-154C-470A-A051-BC8F8CA95502}" sibTransId="{99C96B85-AEDA-4C66-ABCE-F8EC1E126A8B}"/>
+    <dgm:cxn modelId="{5875CBFD-D88A-470D-9249-CEC4EEA065BA}" type="presOf" srcId="{E0C13487-7DAA-40B3-AB9E-F153DE6EA9C0}" destId="{DBBEB56B-B7E9-4A01-A312-08D216D5DB5B}" srcOrd="0" destOrd="0" presId="urn:microsoft.com/office/officeart/2005/8/layout/orgChart1"/>
+    <dgm:cxn modelId="{8ACDF761-F74B-4BD0-9AA5-19850FCEABBB}" type="presOf" srcId="{9F36B81B-C1A7-473A-8E0F-BBFAA544E778}" destId="{CEA79085-B6F4-42DC-BE62-5C549339B557}" srcOrd="0" destOrd="0" presId="urn:microsoft.com/office/officeart/2005/8/layout/orgChart1"/>
+    <dgm:cxn modelId="{B6E8F716-D0C3-434F-94C4-FCB8DD11A52C}" type="presOf" srcId="{215DF8F0-1759-4F1A-8B42-C357F06557E5}" destId="{6DD3F1A6-3BCA-4F98-ABF9-F584DCA9F041}" srcOrd="0" destOrd="0" presId="urn:microsoft.com/office/officeart/2005/8/layout/orgChart1"/>
+    <dgm:cxn modelId="{53EC4DD8-94DA-4C29-B189-F35488C21A66}" type="presOf" srcId="{EA5F40C5-F530-4E8F-B3E6-6F6187BEAAED}" destId="{AA3A3D67-77E2-4B57-9F52-00F1EFF9406C}" srcOrd="0" destOrd="0" presId="urn:microsoft.com/office/officeart/2005/8/layout/orgChart1"/>
+    <dgm:cxn modelId="{E397E89F-9347-4E0F-945C-89F083111E72}" type="presOf" srcId="{3064C5C9-A8F9-4526-9623-C6020B1F76B1}" destId="{CCD1E29B-E70C-4795-BD80-5C230BFD461A}" srcOrd="1" destOrd="0" presId="urn:microsoft.com/office/officeart/2005/8/layout/orgChart1"/>
+    <dgm:cxn modelId="{583BBF6B-D203-41AE-93A8-C7D93D79B13D}" type="presOf" srcId="{9F36B81B-C1A7-473A-8E0F-BBFAA544E778}" destId="{48D9CB28-9821-4475-A4D9-0864E361DE55}" srcOrd="1" destOrd="0" presId="urn:microsoft.com/office/officeart/2005/8/layout/orgChart1"/>
+    <dgm:cxn modelId="{17AE8971-584E-4C3D-BF8D-8918F58F4943}" type="presOf" srcId="{998240EB-BE42-4F2E-9822-E3F83967F93F}" destId="{6852705D-83C1-4EEE-A383-C9A26403922A}" srcOrd="1" destOrd="0" presId="urn:microsoft.com/office/officeart/2005/8/layout/orgChart1"/>
+    <dgm:cxn modelId="{16008C8A-BE07-40B9-B0A8-A7D83EDBAAF4}" srcId="{4FEE0260-236F-4C42-B060-F41A291591C4}" destId="{3064C5C9-A8F9-4526-9623-C6020B1F76B1}" srcOrd="1" destOrd="0" parTransId="{EA5F40C5-F530-4E8F-B3E6-6F6187BEAAED}" sibTransId="{5945D9CA-B0E8-4930-8A0E-53F52195F8AC}"/>
+    <dgm:cxn modelId="{CBDD5E75-B07B-4118-9114-7045B9AAF48A}" type="presOf" srcId="{998240EB-BE42-4F2E-9822-E3F83967F93F}" destId="{3C5DE7D4-2CAB-43C6-9322-98C9F4B4957F}" srcOrd="0" destOrd="0" presId="urn:microsoft.com/office/officeart/2005/8/layout/orgChart1"/>
+    <dgm:cxn modelId="{F8DB54D7-1E96-42A9-8BB8-01CE3A76C62B}" type="presOf" srcId="{9C33DC11-ED0C-4B66-A5C0-BECA1DF98FE1}" destId="{E1043A8C-B556-48DA-8BD3-7EE785639723}" srcOrd="0" destOrd="0" presId="urn:microsoft.com/office/officeart/2005/8/layout/orgChart1"/>
+    <dgm:cxn modelId="{271AC06C-B87C-4124-A321-06543C32B838}" type="presOf" srcId="{4FEE0260-236F-4C42-B060-F41A291591C4}" destId="{2FBC2A3E-50DC-4BD9-8650-F8348611C441}" srcOrd="0" destOrd="0" presId="urn:microsoft.com/office/officeart/2005/8/layout/orgChart1"/>
+    <dgm:cxn modelId="{DA7C2BF2-496A-4003-970F-BBF45345496C}" srcId="{4FEE0260-236F-4C42-B060-F41A291591C4}" destId="{9F36B81B-C1A7-473A-8E0F-BBFAA544E778}" srcOrd="2" destOrd="0" parTransId="{9C33DC11-ED0C-4B66-A5C0-BECA1DF98FE1}" sibTransId="{6E400C57-C5C2-4441-A4DC-FF755586E4C0}"/>
     <dgm:cxn modelId="{0F89270A-5F0D-4384-8D32-3B272255D603}" type="presOf" srcId="{3064C5C9-A8F9-4526-9623-C6020B1F76B1}" destId="{975516E0-AC21-48AC-A29D-6595CB449706}" srcOrd="0" destOrd="0" presId="urn:microsoft.com/office/officeart/2005/8/layout/orgChart1"/>
-    <dgm:cxn modelId="{B6E8F716-D0C3-434F-94C4-FCB8DD11A52C}" type="presOf" srcId="{215DF8F0-1759-4F1A-8B42-C357F06557E5}" destId="{6DD3F1A6-3BCA-4F98-ABF9-F584DCA9F041}" srcOrd="0" destOrd="0" presId="urn:microsoft.com/office/officeart/2005/8/layout/orgChart1"/>
-    <dgm:cxn modelId="{8ACDF761-F74B-4BD0-9AA5-19850FCEABBB}" type="presOf" srcId="{9F36B81B-C1A7-473A-8E0F-BBFAA544E778}" destId="{CEA79085-B6F4-42DC-BE62-5C549339B557}" srcOrd="0" destOrd="0" presId="urn:microsoft.com/office/officeart/2005/8/layout/orgChart1"/>
-    <dgm:cxn modelId="{583BBF6B-D203-41AE-93A8-C7D93D79B13D}" type="presOf" srcId="{9F36B81B-C1A7-473A-8E0F-BBFAA544E778}" destId="{48D9CB28-9821-4475-A4D9-0864E361DE55}" srcOrd="1" destOrd="0" presId="urn:microsoft.com/office/officeart/2005/8/layout/orgChart1"/>
-    <dgm:cxn modelId="{271AC06C-B87C-4124-A321-06543C32B838}" type="presOf" srcId="{4FEE0260-236F-4C42-B060-F41A291591C4}" destId="{2FBC2A3E-50DC-4BD9-8650-F8348611C441}" srcOrd="0" destOrd="0" presId="urn:microsoft.com/office/officeart/2005/8/layout/orgChart1"/>
-    <dgm:cxn modelId="{17AE8971-584E-4C3D-BF8D-8918F58F4943}" type="presOf" srcId="{998240EB-BE42-4F2E-9822-E3F83967F93F}" destId="{6852705D-83C1-4EEE-A383-C9A26403922A}" srcOrd="1" destOrd="0" presId="urn:microsoft.com/office/officeart/2005/8/layout/orgChart1"/>
     <dgm:cxn modelId="{A99F0055-7F1E-4DFC-9426-640A9EB52672}" type="presOf" srcId="{4FEE0260-236F-4C42-B060-F41A291591C4}" destId="{52421B21-BC85-4D9F-8FB7-79B50EE53043}" srcOrd="1" destOrd="0" presId="urn:microsoft.com/office/officeart/2005/8/layout/orgChart1"/>
-    <dgm:cxn modelId="{CBDD5E75-B07B-4118-9114-7045B9AAF48A}" type="presOf" srcId="{998240EB-BE42-4F2E-9822-E3F83967F93F}" destId="{3C5DE7D4-2CAB-43C6-9322-98C9F4B4957F}" srcOrd="0" destOrd="0" presId="urn:microsoft.com/office/officeart/2005/8/layout/orgChart1"/>
-    <dgm:cxn modelId="{16008C8A-BE07-40B9-B0A8-A7D83EDBAAF4}" srcId="{4FEE0260-236F-4C42-B060-F41A291591C4}" destId="{3064C5C9-A8F9-4526-9623-C6020B1F76B1}" srcOrd="1" destOrd="0" parTransId="{EA5F40C5-F530-4E8F-B3E6-6F6187BEAAED}" sibTransId="{5945D9CA-B0E8-4930-8A0E-53F52195F8AC}"/>
-    <dgm:cxn modelId="{E397E89F-9347-4E0F-945C-89F083111E72}" type="presOf" srcId="{3064C5C9-A8F9-4526-9623-C6020B1F76B1}" destId="{CCD1E29B-E70C-4795-BD80-5C230BFD461A}" srcOrd="1" destOrd="0" presId="urn:microsoft.com/office/officeart/2005/8/layout/orgChart1"/>
-    <dgm:cxn modelId="{336864C1-BB29-4B55-B945-41A68B1A999D}" srcId="{E0C13487-7DAA-40B3-AB9E-F153DE6EA9C0}" destId="{4FEE0260-236F-4C42-B060-F41A291591C4}" srcOrd="0" destOrd="0" parTransId="{4AD564D3-154C-470A-A051-BC8F8CA95502}" sibTransId="{99C96B85-AEDA-4C66-ABCE-F8EC1E126A8B}"/>
-    <dgm:cxn modelId="{F8DB54D7-1E96-42A9-8BB8-01CE3A76C62B}" type="presOf" srcId="{9C33DC11-ED0C-4B66-A5C0-BECA1DF98FE1}" destId="{E1043A8C-B556-48DA-8BD3-7EE785639723}" srcOrd="0" destOrd="0" presId="urn:microsoft.com/office/officeart/2005/8/layout/orgChart1"/>
-    <dgm:cxn modelId="{53EC4DD8-94DA-4C29-B189-F35488C21A66}" type="presOf" srcId="{EA5F40C5-F530-4E8F-B3E6-6F6187BEAAED}" destId="{AA3A3D67-77E2-4B57-9F52-00F1EFF9406C}" srcOrd="0" destOrd="0" presId="urn:microsoft.com/office/officeart/2005/8/layout/orgChart1"/>
-    <dgm:cxn modelId="{6DA42BDF-4618-4C7A-AA5B-33728B4D5FD2}" srcId="{4FEE0260-236F-4C42-B060-F41A291591C4}" destId="{998240EB-BE42-4F2E-9822-E3F83967F93F}" srcOrd="0" destOrd="0" parTransId="{215DF8F0-1759-4F1A-8B42-C357F06557E5}" sibTransId="{F273CA4D-982C-4381-BF96-41A3A719BD4B}"/>
-    <dgm:cxn modelId="{DA7C2BF2-496A-4003-970F-BBF45345496C}" srcId="{4FEE0260-236F-4C42-B060-F41A291591C4}" destId="{9F36B81B-C1A7-473A-8E0F-BBFAA544E778}" srcOrd="2" destOrd="0" parTransId="{9C33DC11-ED0C-4B66-A5C0-BECA1DF98FE1}" sibTransId="{6E400C57-C5C2-4441-A4DC-FF755586E4C0}"/>
-    <dgm:cxn modelId="{5875CBFD-D88A-470D-9249-CEC4EEA065BA}" type="presOf" srcId="{E0C13487-7DAA-40B3-AB9E-F153DE6EA9C0}" destId="{DBBEB56B-B7E9-4A01-A312-08D216D5DB5B}" srcOrd="0" destOrd="0" presId="urn:microsoft.com/office/officeart/2005/8/layout/orgChart1"/>
     <dgm:cxn modelId="{60F79384-43E8-44A7-85FD-F6F2A86F7A36}" type="presParOf" srcId="{DBBEB56B-B7E9-4A01-A312-08D216D5DB5B}" destId="{FF415341-52A6-4E81-86F3-62B8352947E6}" srcOrd="0" destOrd="0" presId="urn:microsoft.com/office/officeart/2005/8/layout/orgChart1"/>
     <dgm:cxn modelId="{9120ABD8-8C0E-45AA-90DF-42BFAADB6FC8}" type="presParOf" srcId="{FF415341-52A6-4E81-86F3-62B8352947E6}" destId="{1F9ED5EA-F5A5-46D6-8277-9BE4C787F178}" srcOrd="0" destOrd="0" presId="urn:microsoft.com/office/officeart/2005/8/layout/orgChart1"/>
     <dgm:cxn modelId="{8ADB64F0-B071-4AF0-98CD-FC0385C33AE9}" type="presParOf" srcId="{1F9ED5EA-F5A5-46D6-8277-9BE4C787F178}" destId="{2FBC2A3E-50DC-4BD9-8650-F8348611C441}" srcOrd="0" destOrd="0" presId="urn:microsoft.com/office/officeart/2005/8/layout/orgChart1"/>
@@ -2406,11 +2406,11 @@
     </dgm:pt>
   </dgm:ptLst>
   <dgm:cxnLst>
+    <dgm:cxn modelId="{E39B5B84-CA46-4DB4-BDAB-2E7EE1294596}" type="presOf" srcId="{58E295D8-CC95-41FB-AE1C-2ED3E9C471A2}" destId="{FA364696-05BE-4891-A5E6-BB44F0B4FC26}" srcOrd="0" destOrd="0" presId="urn:microsoft.com/office/officeart/2005/8/layout/chevron1"/>
     <dgm:cxn modelId="{2AF53521-8F7C-42B7-8F91-A57AC7A77676}" type="presOf" srcId="{6A501E74-8427-479D-B599-27E0144E72F5}" destId="{88E1E883-1E4D-4532-9EFB-6C633CFC54FC}" srcOrd="0" destOrd="0" presId="urn:microsoft.com/office/officeart/2005/8/layout/chevron1"/>
+    <dgm:cxn modelId="{A8DA107C-D2E0-413C-84B9-4C30EFD9ECF9}" srcId="{195665F5-0A5C-4905-ADFB-A138A9E69310}" destId="{6A501E74-8427-479D-B599-27E0144E72F5}" srcOrd="0" destOrd="0" parTransId="{EC611BDF-1E34-4F04-8EDE-2368B45B32A5}" sibTransId="{AAC44B3C-30B5-4E6C-8C55-D26483CF6A50}"/>
+    <dgm:cxn modelId="{3FEBB1C9-C657-4BDE-B328-12B0946F4609}" type="presOf" srcId="{65EE30AD-065F-4808-9900-342544641F95}" destId="{21198D39-7216-4C42-B2A8-D12BF59AE24B}" srcOrd="0" destOrd="0" presId="urn:microsoft.com/office/officeart/2005/8/layout/chevron1"/>
     <dgm:cxn modelId="{640B0C76-B954-48A2-B523-E6D693C64E71}" type="presOf" srcId="{195665F5-0A5C-4905-ADFB-A138A9E69310}" destId="{CAD9E4FC-4017-4874-B811-9AB67CA7A6BF}" srcOrd="0" destOrd="0" presId="urn:microsoft.com/office/officeart/2005/8/layout/chevron1"/>
-    <dgm:cxn modelId="{A8DA107C-D2E0-413C-84B9-4C30EFD9ECF9}" srcId="{195665F5-0A5C-4905-ADFB-A138A9E69310}" destId="{6A501E74-8427-479D-B599-27E0144E72F5}" srcOrd="0" destOrd="0" parTransId="{EC611BDF-1E34-4F04-8EDE-2368B45B32A5}" sibTransId="{AAC44B3C-30B5-4E6C-8C55-D26483CF6A50}"/>
-    <dgm:cxn modelId="{E39B5B84-CA46-4DB4-BDAB-2E7EE1294596}" type="presOf" srcId="{58E295D8-CC95-41FB-AE1C-2ED3E9C471A2}" destId="{FA364696-05BE-4891-A5E6-BB44F0B4FC26}" srcOrd="0" destOrd="0" presId="urn:microsoft.com/office/officeart/2005/8/layout/chevron1"/>
-    <dgm:cxn modelId="{3FEBB1C9-C657-4BDE-B328-12B0946F4609}" type="presOf" srcId="{65EE30AD-065F-4808-9900-342544641F95}" destId="{21198D39-7216-4C42-B2A8-D12BF59AE24B}" srcOrd="0" destOrd="0" presId="urn:microsoft.com/office/officeart/2005/8/layout/chevron1"/>
     <dgm:cxn modelId="{3D5AFEE1-9DED-4753-8AE1-84E4D290E8CE}" srcId="{195665F5-0A5C-4905-ADFB-A138A9E69310}" destId="{65EE30AD-065F-4808-9900-342544641F95}" srcOrd="1" destOrd="0" parTransId="{969EB7D1-CC0F-4EC1-882B-D14B46A29FFB}" sibTransId="{ED468A9C-5D69-4691-95C8-750B6ED70E74}"/>
     <dgm:cxn modelId="{710133E3-0A2A-47A6-9878-7B9A3C961852}" srcId="{195665F5-0A5C-4905-ADFB-A138A9E69310}" destId="{58E295D8-CC95-41FB-AE1C-2ED3E9C471A2}" srcOrd="2" destOrd="0" parTransId="{11857F45-EE62-47D8-8C4E-75677C2A534A}" sibTransId="{668285D0-7F3B-46EB-8259-5D3FCD712803}"/>
     <dgm:cxn modelId="{0BBF0001-68D3-4F98-8D87-553966BA6B78}" type="presParOf" srcId="{CAD9E4FC-4017-4874-B811-9AB67CA7A6BF}" destId="{88E1E883-1E4D-4532-9EFB-6C633CFC54FC}" srcOrd="0" destOrd="0" presId="urn:microsoft.com/office/officeart/2005/8/layout/chevron1"/>
@@ -6834,7 +6834,7 @@
             <a:fld id="{D36CF0C6-0466-4ADB-85AE-983045F2A7A5}" type="datetimeFigureOut">
               <a:rPr lang="en-US"/>
               <a:pPr/>
-              <a:t>6/11/2020</a:t>
+              <a:t>12/12/2016</a:t>
             </a:fld>
             <a:endParaRPr lang="en-GB"/>
           </a:p>
@@ -8775,7 +8775,7 @@
             <a:fld id="{A7A9FE9F-E5EC-4D0E-9C7C-A571B8CD58E1}" type="datetimeFigureOut">
               <a:rPr lang="en-US" smtClean="0"/>
               <a:pPr/>
-              <a:t>6/11/2020</a:t>
+              <a:t>12/12/2016</a:t>
             </a:fld>
             <a:endParaRPr lang="en-GB"/>
           </a:p>
@@ -9168,7 +9168,7 @@
             <a:fld id="{3CC776A0-15FA-449C-9FC0-2E4017C3653C}" type="datetimeFigureOut">
               <a:rPr lang="en-US" smtClean="0"/>
               <a:pPr/>
-              <a:t>6/11/2020</a:t>
+              <a:t>12/12/2016</a:t>
             </a:fld>
             <a:endParaRPr lang="en-GB"/>
           </a:p>
@@ -9703,7 +9703,7 @@
             <a:fld id="{63783CB6-92AD-4988-BDD1-9285F1AC5B8B}" type="datetimeFigureOut">
               <a:rPr lang="en-US" smtClean="0"/>
               <a:pPr/>
-              <a:t>6/11/2020</a:t>
+              <a:t>12/12/2016</a:t>
             </a:fld>
             <a:endParaRPr lang="en-GB"/>
           </a:p>
@@ -9835,7 +9835,7 @@
             <a:fld id="{00D44BC3-6C21-4242-90E7-C70066D89085}" type="datetimeFigureOut">
               <a:rPr lang="en-US" smtClean="0"/>
               <a:pPr/>
-              <a:t>6/11/2020</a:t>
+              <a:t>12/12/2016</a:t>
             </a:fld>
             <a:endParaRPr lang="en-GB"/>
           </a:p>
@@ -10380,7 +10380,7 @@
             <a:fld id="{9CA15996-6109-4B15-91EA-7F2214BCE6CE}" type="datetimeFigureOut">
               <a:rPr lang="en-US" smtClean="0"/>
               <a:pPr/>
-              <a:t>6/11/2020</a:t>
+              <a:t>12/12/2016</a:t>
             </a:fld>
             <a:endParaRPr lang="en-GB"/>
           </a:p>
@@ -10675,7 +10675,7 @@
             <a:fld id="{43D503C7-296E-4931-AF03-8F6081A55980}" type="datetimeFigureOut">
               <a:rPr lang="en-US" smtClean="0"/>
               <a:pPr/>
-              <a:t>6/11/2020</a:t>
+              <a:t>12/12/2016</a:t>
             </a:fld>
             <a:endParaRPr lang="en-GB"/>
           </a:p>
@@ -11336,7 +11336,7 @@
             <a:fld id="{7D21C208-1BA2-411B-B3F5-C068C35B6FF1}" type="datetimeFigureOut">
               <a:rPr lang="en-US" smtClean="0"/>
               <a:pPr/>
-              <a:t>6/11/2020</a:t>
+              <a:t>12/12/2016</a:t>
             </a:fld>
             <a:endParaRPr lang="en-GB"/>
           </a:p>
@@ -11772,7 +11772,7 @@
             <a:fld id="{A0BBD098-174B-40CC-81C5-99E5CCAD813C}" type="datetimeFigureOut">
               <a:rPr lang="en-US" smtClean="0"/>
               <a:pPr/>
-              <a:t>6/11/2020</a:t>
+              <a:t>12/12/2016</a:t>
             </a:fld>
             <a:endParaRPr lang="en-GB"/>
           </a:p>
@@ -12087,7 +12087,7 @@
             <a:fld id="{AB756306-DB93-4888-A90A-6472F9498D5B}" type="datetimeFigureOut">
               <a:rPr lang="en-US" smtClean="0"/>
               <a:pPr/>
-              <a:t>6/11/2020</a:t>
+              <a:t>12/12/2016</a:t>
             </a:fld>
             <a:endParaRPr lang="en-GB"/>
           </a:p>
@@ -12821,7 +12821,7 @@
             <a:fld id="{AFDC3FAB-3191-4503-B26F-02441974C358}" type="datetimeFigureOut">
               <a:rPr lang="en-US" smtClean="0"/>
               <a:pPr/>
-              <a:t>6/11/2020</a:t>
+              <a:t>12/12/2016</a:t>
             </a:fld>
             <a:endParaRPr lang="en-GB"/>
           </a:p>
@@ -13486,7 +13486,7 @@
             <a:fld id="{B420FEA8-AE25-4AF0-AB9C-E8238CE6C6C3}" type="datetimeFigureOut">
               <a:rPr lang="en-US" smtClean="0"/>
               <a:pPr/>
-              <a:t>6/11/2020</a:t>
+              <a:t>12/12/2016</a:t>
             </a:fld>
             <a:endParaRPr lang="en-GB"/>
           </a:p>
@@ -13760,7 +13760,7 @@
             <a:fld id="{D72ED166-27BB-4129-80B3-64F1A5E95C66}" type="datetimeFigureOut">
               <a:rPr lang="en-US" smtClean="0"/>
               <a:pPr/>
-              <a:t>6/11/2020</a:t>
+              <a:t>12/12/2016</a:t>
             </a:fld>
             <a:endParaRPr lang="en-GB"/>
           </a:p>
@@ -14462,7 +14462,10 @@
               <a:buNone/>
               <a:defRPr/>
             </a:pPr>
-            <a:endParaRPr lang="en-GB" sz="2000" dirty="0"/>
+            <a:r>
+              <a:rPr lang="en-GB" sz="2000" dirty="0"/>
+              <a:t>The Brazzers</a:t>
+            </a:r>
           </a:p>
           <a:p>
             <a:pPr algn="l" eaLnBrk="1" fontAlgn="auto" hangingPunct="1">
@@ -14475,7 +14478,7 @@
             </a:pPr>
             <a:r>
               <a:rPr lang="en-GB" sz="2000" dirty="0"/>
-              <a:t>June 18th</a:t>
+              <a:t>DECEMBER 2016</a:t>
             </a:r>
           </a:p>
           <a:p>
@@ -14516,10 +14519,9 @@
           <a:p>
             <a:pPr algn="ctr" eaLnBrk="1" hangingPunct="1"/>
             <a:r>
-              <a:rPr lang="en-GB"/>
-              <a:t>FASHIONISTA</a:t>
-            </a:r>
-            <a:endParaRPr lang="en-GB" dirty="0"/>
+              <a:rPr lang="en-GB" dirty="0"/>
+              <a:t>The WORLD</a:t>
+            </a:r>
           </a:p>
         </p:txBody>
       </p:sp>
@@ -14557,14 +14559,17 @@
               <a:buNone/>
               <a:defRPr/>
             </a:pPr>
-            <a:endParaRPr lang="en-GB" sz="2000" dirty="0">
-              <a:solidFill>
-                <a:schemeClr val="tx1">
-                  <a:tint val="75000"/>
-                </a:schemeClr>
-              </a:solidFill>
-              <a:latin typeface="+mn-lt"/>
-            </a:endParaRPr>
+            <a:r>
+              <a:rPr lang="en-GB" sz="2000" dirty="0">
+                <a:solidFill>
+                  <a:schemeClr val="tx1">
+                    <a:tint val="75000"/>
+                  </a:schemeClr>
+                </a:solidFill>
+                <a:latin typeface="+mn-lt"/>
+              </a:rPr>
+              <a:t>Author:</a:t>
+            </a:r>
           </a:p>
           <a:p>
             <a:pPr fontAlgn="auto">
@@ -14650,53 +14655,23 @@
               <a:rPr lang="en-US" dirty="0">
                 <a:latin typeface="+mj-lt"/>
               </a:rPr>
-              <a:t>Mạch </a:t>
-            </a:r>
-            <a:r>
-              <a:rPr lang="en-US" dirty="0" err="1">
-                <a:latin typeface="+mj-lt"/>
-              </a:rPr>
-              <a:t>Chí</a:t>
-            </a:r>
+              <a:t>Trinh Hung Minh</a:t>
+            </a:r>
+          </a:p>
+          <a:p>
             <a:r>
               <a:rPr lang="en-US" dirty="0">
                 <a:latin typeface="+mj-lt"/>
               </a:rPr>
-              <a:t> </a:t>
-            </a:r>
-            <a:r>
-              <a:rPr lang="en-US" dirty="0" err="1">
-                <a:latin typeface="+mj-lt"/>
-              </a:rPr>
-              <a:t>Tài</a:t>
-            </a:r>
-            <a:endParaRPr lang="en-US" dirty="0">
-              <a:latin typeface="+mj-lt"/>
-            </a:endParaRPr>
+              <a:t>Le Vu Minh Khang</a:t>
+            </a:r>
           </a:p>
           <a:p>
             <a:r>
               <a:rPr lang="en-US" dirty="0">
                 <a:latin typeface="+mj-lt"/>
               </a:rPr>
-              <a:t>Thanh </a:t>
-            </a:r>
-            <a:r>
-              <a:rPr lang="en-US" dirty="0" err="1">
-                <a:latin typeface="+mj-lt"/>
-              </a:rPr>
-              <a:t>Tài</a:t>
-            </a:r>
-            <a:endParaRPr lang="en-US" dirty="0">
-              <a:latin typeface="+mj-lt"/>
-            </a:endParaRPr>
-          </a:p>
-          <a:p>
-            <a:r>
-              <a:rPr lang="en-US" dirty="0">
-                <a:latin typeface="+mj-lt"/>
-              </a:rPr>
-              <a:t>Lee Young Hyun</a:t>
+              <a:t>Tran Tien Huy</a:t>
             </a:r>
           </a:p>
         </p:txBody>
@@ -17377,7 +17352,7 @@
           <a:p>
             <a:r>
               <a:rPr lang="en-US" dirty="0"/>
-              <a:t>FASHIONISTA is a company in HCMC excel in selling clothes to our customer.</a:t>
+              <a:t>The World is a company in HCMC excel in selling clothes to our customer.</a:t>
             </a:r>
           </a:p>
           <a:p>
